--- a/apresentacoes/Aula6/Etapa3.pptx
+++ b/apresentacoes/Aula6/Etapa3.pptx
@@ -284,7 +284,7 @@
       </p15:sldGuideLst>
     </p:ext>
     <p:ext uri="http://customooxmlschemas.google.com/">
-      <go:slidesCustomData xmlns:go="http://customooxmlschemas.google.com/" xmlns:ahyp="http://schemas.microsoft.com/office/drawing/2018/hyperlinkcolor" xmlns:p15="http://schemas.microsoft.com/office/powerpoint/2012/main" xmlns:p14="http://schemas.microsoft.com/office/powerpoint/2010/main" xmlns:com="http://schemas.openxmlformats.org/drawingml/2006/compatibility" xmlns:pvml="urn:schemas-microsoft-com:office:powerpoint" xmlns:v="urn:schemas-microsoft-com:vml" xmlns:o="urn:schemas-microsoft-com:office:office" xmlns:dgm="http://schemas.openxmlformats.org/drawingml/2006/diagram" xmlns:c="http://schemas.openxmlformats.org/drawingml/2006/chart" xmlns:mv="urn:schemas-microsoft-com:mac:vml" xmlns:mc="http://schemas.openxmlformats.org/markup-compatibility/2006" xmlns="" r:id="rId34" roundtripDataSignature="AMtx7mij1fsZUe5V3lBG5qQcqOvrI5UhJw=="/>
+      <go:slidesCustomData xmlns="" xmlns:mc="http://schemas.openxmlformats.org/markup-compatibility/2006" xmlns:mv="urn:schemas-microsoft-com:mac:vml" xmlns:c="http://schemas.openxmlformats.org/drawingml/2006/chart" xmlns:dgm="http://schemas.openxmlformats.org/drawingml/2006/diagram" xmlns:o="urn:schemas-microsoft-com:office:office" xmlns:v="urn:schemas-microsoft-com:vml" xmlns:pvml="urn:schemas-microsoft-com:office:powerpoint" xmlns:com="http://schemas.openxmlformats.org/drawingml/2006/compatibility" xmlns:p14="http://schemas.microsoft.com/office/powerpoint/2010/main" xmlns:p15="http://schemas.microsoft.com/office/powerpoint/2012/main" xmlns:ahyp="http://schemas.microsoft.com/office/drawing/2018/hyperlinkcolor" xmlns:go="http://customooxmlschemas.google.com/" r:id="rId34" roundtripDataSignature="AMtx7mij1fsZUe5V3lBG5qQcqOvrI5UhJw=="/>
     </p:ext>
   </p:extLst>
 </p:presentation>
@@ -20844,7 +20844,7 @@
         <p:spPr>
           <a:xfrm>
             <a:off x="465750" y="2590889"/>
-            <a:ext cx="8290350" cy="1134083"/>
+            <a:ext cx="8290350" cy="1668877"/>
           </a:xfrm>
           <a:prstGeom prst="rect">
             <a:avLst/>
@@ -20889,6 +20889,86 @@
                 <a:sym typeface="Century Gothic"/>
               </a:rPr>
               <a:t>ListaCircular</a:t>
+            </a:r>
+            <a:r>
+              <a:rPr lang="pt-BR" sz="3600" dirty="0">
+                <a:solidFill>
+                  <a:srgbClr val="F78321"/>
+                </a:solidFill>
+                <a:latin typeface="Century Gothic"/>
+                <a:ea typeface="Century Gothic"/>
+                <a:cs typeface="Century Gothic"/>
+                <a:sym typeface="Century Gothic"/>
+              </a:rPr>
+              <a:t> </a:t>
+            </a:r>
+          </a:p>
+          <a:p>
+            <a:pPr lvl="0">
+              <a:buClr>
+                <a:schemeClr val="dk1"/>
+              </a:buClr>
+              <a:buSzPts val="1100"/>
+            </a:pPr>
+            <a:r>
+              <a:rPr lang="pt-BR" sz="3600" dirty="0">
+                <a:solidFill>
+                  <a:srgbClr val="F78321"/>
+                </a:solidFill>
+                <a:latin typeface="Century Gothic"/>
+                <a:ea typeface="Century Gothic"/>
+                <a:cs typeface="Century Gothic"/>
+                <a:sym typeface="Century Gothic"/>
+              </a:rPr>
+              <a:t>Métodos </a:t>
+            </a:r>
+            <a:r>
+              <a:rPr lang="pt-BR" sz="3600" dirty="0" err="1">
+                <a:solidFill>
+                  <a:srgbClr val="F78321"/>
+                </a:solidFill>
+                <a:latin typeface="Century Gothic"/>
+                <a:ea typeface="Century Gothic"/>
+                <a:cs typeface="Century Gothic"/>
+                <a:sym typeface="Century Gothic"/>
+              </a:rPr>
+              <a:t>isEmpty</a:t>
+            </a:r>
+            <a:r>
+              <a:rPr lang="pt-BR" sz="3600" dirty="0">
+                <a:solidFill>
+                  <a:srgbClr val="F78321"/>
+                </a:solidFill>
+                <a:latin typeface="Century Gothic"/>
+                <a:ea typeface="Century Gothic"/>
+                <a:cs typeface="Century Gothic"/>
+                <a:sym typeface="Century Gothic"/>
+              </a:rPr>
+              <a:t>()e </a:t>
+            </a:r>
+            <a:r>
+              <a:rPr lang="pt-BR" sz="3600" dirty="0" err="1">
+                <a:solidFill>
+                  <a:srgbClr val="F78321"/>
+                </a:solidFill>
+                <a:latin typeface="Century Gothic"/>
+                <a:ea typeface="Century Gothic"/>
+                <a:cs typeface="Century Gothic"/>
+                <a:sym typeface="Century Gothic"/>
+              </a:rPr>
+              <a:t>size</a:t>
+            </a:r>
+            <a:r>
+              <a:rPr lang="pt-BR" sz="3600">
+                <a:solidFill>
+                  <a:srgbClr val="F78321"/>
+                </a:solidFill>
+                <a:latin typeface="Century Gothic"/>
+                <a:ea typeface="Century Gothic"/>
+                <a:cs typeface="Century Gothic"/>
+                <a:sym typeface="Century Gothic"/>
+              </a:rPr>
+              <a:t>()</a:t>
             </a:r>
             <a:endParaRPr lang="pt-BR" sz="3600" dirty="0">
               <a:solidFill>
@@ -20913,7 +20993,7 @@
         <p:fade/>
       </p:transition>
     </mc:Choice>
-    <mc:Fallback xmlns="" xmlns:mv="urn:schemas-microsoft-com:mac:vml" xmlns:c="http://schemas.openxmlformats.org/drawingml/2006/chart" xmlns:dgm="http://schemas.openxmlformats.org/drawingml/2006/diagram" xmlns:o="urn:schemas-microsoft-com:office:office" xmlns:v="urn:schemas-microsoft-com:vml" xmlns:pvml="urn:schemas-microsoft-com:office:powerpoint" xmlns:com="http://schemas.openxmlformats.org/drawingml/2006/compatibility" xmlns:p15="http://schemas.microsoft.com/office/powerpoint/2012/main" xmlns:ahyp="http://schemas.microsoft.com/office/drawing/2018/hyperlinkcolor">
+    <mc:Fallback xmlns:ahyp="http://schemas.microsoft.com/office/drawing/2018/hyperlinkcolor" xmlns:p15="http://schemas.microsoft.com/office/powerpoint/2012/main" xmlns:com="http://schemas.openxmlformats.org/drawingml/2006/compatibility" xmlns:pvml="urn:schemas-microsoft-com:office:powerpoint" xmlns:v="urn:schemas-microsoft-com:vml" xmlns:o="urn:schemas-microsoft-com:office:office" xmlns:dgm="http://schemas.openxmlformats.org/drawingml/2006/diagram" xmlns:c="http://schemas.openxmlformats.org/drawingml/2006/chart" xmlns:mv="urn:schemas-microsoft-com:mac:vml" xmlns="">
       <p:transition spd="slow">
         <p:fade/>
       </p:transition>
@@ -21493,7 +21573,7 @@
         <p:fade/>
       </p:transition>
     </mc:Choice>
-    <mc:Fallback xmlns:ahyp="http://schemas.microsoft.com/office/drawing/2018/hyperlinkcolor" xmlns:p15="http://schemas.microsoft.com/office/powerpoint/2012/main" xmlns:com="http://schemas.openxmlformats.org/drawingml/2006/compatibility" xmlns:pvml="urn:schemas-microsoft-com:office:powerpoint" xmlns:v="urn:schemas-microsoft-com:vml" xmlns:o="urn:schemas-microsoft-com:office:office" xmlns:dgm="http://schemas.openxmlformats.org/drawingml/2006/diagram" xmlns:c="http://schemas.openxmlformats.org/drawingml/2006/chart" xmlns:mv="urn:schemas-microsoft-com:mac:vml" xmlns="">
+    <mc:Fallback xmlns="" xmlns:mv="urn:schemas-microsoft-com:mac:vml" xmlns:c="http://schemas.openxmlformats.org/drawingml/2006/chart" xmlns:dgm="http://schemas.openxmlformats.org/drawingml/2006/diagram" xmlns:o="urn:schemas-microsoft-com:office:office" xmlns:v="urn:schemas-microsoft-com:vml" xmlns:pvml="urn:schemas-microsoft-com:office:powerpoint" xmlns:com="http://schemas.openxmlformats.org/drawingml/2006/compatibility" xmlns:p15="http://schemas.microsoft.com/office/powerpoint/2012/main" xmlns:ahyp="http://schemas.microsoft.com/office/drawing/2018/hyperlinkcolor">
       <p:transition spd="slow">
         <p:fade/>
       </p:transition>
@@ -22355,7 +22435,7 @@
         <p:fade/>
       </p:transition>
     </mc:Choice>
-    <mc:Fallback xmlns:ahyp="http://schemas.microsoft.com/office/drawing/2018/hyperlinkcolor" xmlns:p15="http://schemas.microsoft.com/office/powerpoint/2012/main" xmlns:com="http://schemas.openxmlformats.org/drawingml/2006/compatibility" xmlns:pvml="urn:schemas-microsoft-com:office:powerpoint" xmlns:v="urn:schemas-microsoft-com:vml" xmlns:o="urn:schemas-microsoft-com:office:office" xmlns:dgm="http://schemas.openxmlformats.org/drawingml/2006/diagram" xmlns:c="http://schemas.openxmlformats.org/drawingml/2006/chart" xmlns:mv="urn:schemas-microsoft-com:mac:vml" xmlns="">
+    <mc:Fallback xmlns="" xmlns:mv="urn:schemas-microsoft-com:mac:vml" xmlns:c="http://schemas.openxmlformats.org/drawingml/2006/chart" xmlns:dgm="http://schemas.openxmlformats.org/drawingml/2006/diagram" xmlns:o="urn:schemas-microsoft-com:office:office" xmlns:v="urn:schemas-microsoft-com:vml" xmlns:pvml="urn:schemas-microsoft-com:office:powerpoint" xmlns:com="http://schemas.openxmlformats.org/drawingml/2006/compatibility" xmlns:p15="http://schemas.microsoft.com/office/powerpoint/2012/main" xmlns:ahyp="http://schemas.microsoft.com/office/drawing/2018/hyperlinkcolor">
       <p:transition spd="slow">
         <p:fade/>
       </p:transition>
